--- a/RBasics/R vectors 4.pptx
+++ b/RBasics/R vectors 4.pptx
@@ -214,7 +214,7 @@
           <a:p>
             <a:fld id="{9758A660-7AEF-4801-824D-53B89A7E27C2}" type="datetimeFigureOut">
               <a:rPr lang="en-US" smtClean="0"/>
-              <a:t>6/4/2018</a:t>
+              <a:t>6/29/2018</a:t>
             </a:fld>
             <a:endParaRPr lang="en-US"/>
           </a:p>
@@ -819,7 +819,7 @@
           <a:p>
             <a:fld id="{CCEB180A-FF49-4894-AB35-3CAF6E670D70}" type="datetimeFigureOut">
               <a:rPr lang="en-US" smtClean="0"/>
-              <a:t>6/4/2018</a:t>
+              <a:t>6/29/2018</a:t>
             </a:fld>
             <a:endParaRPr lang="en-US"/>
           </a:p>
@@ -1039,7 +1039,7 @@
           <a:p>
             <a:fld id="{CCEB180A-FF49-4894-AB35-3CAF6E670D70}" type="datetimeFigureOut">
               <a:rPr lang="en-US" smtClean="0"/>
-              <a:t>6/4/2018</a:t>
+              <a:t>6/29/2018</a:t>
             </a:fld>
             <a:endParaRPr lang="en-US"/>
           </a:p>
@@ -1313,7 +1313,7 @@
           <a:p>
             <a:fld id="{CCEB180A-FF49-4894-AB35-3CAF6E670D70}" type="datetimeFigureOut">
               <a:rPr lang="en-US" smtClean="0"/>
-              <a:t>6/4/2018</a:t>
+              <a:t>6/29/2018</a:t>
             </a:fld>
             <a:endParaRPr lang="en-US"/>
           </a:p>
@@ -1470,7 +1470,7 @@
           <a:p>
             <a:fld id="{CCEB180A-FF49-4894-AB35-3CAF6E670D70}" type="datetimeFigureOut">
               <a:rPr lang="en-US" smtClean="0"/>
-              <a:t>6/4/2018</a:t>
+              <a:t>6/29/2018</a:t>
             </a:fld>
             <a:endParaRPr lang="en-US"/>
           </a:p>
@@ -1807,7 +1807,7 @@
           <a:p>
             <a:fld id="{CCEB180A-FF49-4894-AB35-3CAF6E670D70}" type="datetimeFigureOut">
               <a:rPr lang="en-US" smtClean="0"/>
-              <a:t>6/4/2018</a:t>
+              <a:t>6/29/2018</a:t>
             </a:fld>
             <a:endParaRPr lang="en-US"/>
           </a:p>
@@ -2122,7 +2122,7 @@
           <a:p>
             <a:fld id="{CCEB180A-FF49-4894-AB35-3CAF6E670D70}" type="datetimeFigureOut">
               <a:rPr lang="en-US" smtClean="0"/>
-              <a:t>6/4/2018</a:t>
+              <a:t>6/29/2018</a:t>
             </a:fld>
             <a:endParaRPr lang="en-US"/>
           </a:p>
@@ -2550,7 +2550,7 @@
           <a:p>
             <a:fld id="{CCEB180A-FF49-4894-AB35-3CAF6E670D70}" type="datetimeFigureOut">
               <a:rPr lang="en-US" smtClean="0"/>
-              <a:t>6/4/2018</a:t>
+              <a:t>6/29/2018</a:t>
             </a:fld>
             <a:endParaRPr lang="en-US"/>
           </a:p>
@@ -2670,7 +2670,7 @@
           <a:p>
             <a:fld id="{CCEB180A-FF49-4894-AB35-3CAF6E670D70}" type="datetimeFigureOut">
               <a:rPr lang="en-US" smtClean="0"/>
-              <a:t>6/4/2018</a:t>
+              <a:t>6/29/2018</a:t>
             </a:fld>
             <a:endParaRPr lang="en-US"/>
           </a:p>
@@ -2836,7 +2836,7 @@
           <a:p>
             <a:fld id="{CCEB180A-FF49-4894-AB35-3CAF6E670D70}" type="datetimeFigureOut">
               <a:rPr lang="en-US" smtClean="0"/>
-              <a:t>6/4/2018</a:t>
+              <a:t>6/29/2018</a:t>
             </a:fld>
             <a:endParaRPr lang="en-US"/>
           </a:p>
@@ -3227,7 +3227,7 @@
           <a:p>
             <a:fld id="{CCEB180A-FF49-4894-AB35-3CAF6E670D70}" type="datetimeFigureOut">
               <a:rPr lang="en-US" smtClean="0"/>
-              <a:t>6/4/2018</a:t>
+              <a:t>6/29/2018</a:t>
             </a:fld>
             <a:endParaRPr lang="en-US"/>
           </a:p>
@@ -3596,7 +3596,7 @@
           <a:p>
             <a:fld id="{CCEB180A-FF49-4894-AB35-3CAF6E670D70}" type="datetimeFigureOut">
               <a:rPr lang="en-US" smtClean="0"/>
-              <a:t>6/4/2018</a:t>
+              <a:t>6/29/2018</a:t>
             </a:fld>
             <a:endParaRPr lang="en-US"/>
           </a:p>
@@ -3937,7 +3937,7 @@
           <a:p>
             <a:fld id="{CCEB180A-FF49-4894-AB35-3CAF6E670D70}" type="datetimeFigureOut">
               <a:rPr lang="en-US" smtClean="0"/>
-              <a:t>6/4/2018</a:t>
+              <a:t>6/29/2018</a:t>
             </a:fld>
             <a:endParaRPr lang="en-US"/>
           </a:p>
@@ -4401,11 +4401,11 @@
   <p:clrMapOvr>
     <a:masterClrMapping/>
   </p:clrMapOvr>
-  <mc:AlternateContent xmlns:mc="http://schemas.openxmlformats.org/markup-compatibility/2006">
-    <mc:Choice xmlns:p14="http://schemas.microsoft.com/office/powerpoint/2010/main" Requires="p14">
+  <mc:AlternateContent xmlns:mc="http://schemas.openxmlformats.org/markup-compatibility/2006" xmlns:p14="http://schemas.microsoft.com/office/powerpoint/2010/main">
+    <mc:Choice Requires="p14">
       <p:transition spd="slow" p14:dur="2000"/>
     </mc:Choice>
-    <mc:Fallback>
+    <mc:Fallback xmlns="">
       <p:transition spd="slow"/>
     </mc:Fallback>
   </mc:AlternateContent>
@@ -4579,11 +4579,11 @@
   <p:clrMapOvr>
     <a:masterClrMapping/>
   </p:clrMapOvr>
-  <mc:AlternateContent xmlns:mc="http://schemas.openxmlformats.org/markup-compatibility/2006">
-    <mc:Choice xmlns:p14="http://schemas.microsoft.com/office/powerpoint/2010/main" Requires="p14">
+  <mc:AlternateContent xmlns:mc="http://schemas.openxmlformats.org/markup-compatibility/2006" xmlns:p14="http://schemas.microsoft.com/office/powerpoint/2010/main">
+    <mc:Choice Requires="p14">
       <p:transition spd="slow" p14:dur="2000"/>
     </mc:Choice>
-    <mc:Fallback>
+    <mc:Fallback xmlns="">
       <p:transition spd="slow"/>
     </mc:Fallback>
   </mc:AlternateContent>
@@ -4826,11 +4826,11 @@
   <p:clrMapOvr>
     <a:masterClrMapping/>
   </p:clrMapOvr>
-  <mc:AlternateContent xmlns:mc="http://schemas.openxmlformats.org/markup-compatibility/2006">
-    <mc:Choice xmlns:p14="http://schemas.microsoft.com/office/powerpoint/2010/main" Requires="p14">
+  <mc:AlternateContent xmlns:mc="http://schemas.openxmlformats.org/markup-compatibility/2006" xmlns:p14="http://schemas.microsoft.com/office/powerpoint/2010/main">
+    <mc:Choice Requires="p14">
       <p:transition spd="slow" p14:dur="2000"/>
     </mc:Choice>
-    <mc:Fallback>
+    <mc:Fallback xmlns="">
       <p:transition spd="slow"/>
     </mc:Fallback>
   </mc:AlternateContent>
@@ -4944,11 +4944,11 @@
   <p:clrMapOvr>
     <a:masterClrMapping/>
   </p:clrMapOvr>
-  <mc:AlternateContent xmlns:mc="http://schemas.openxmlformats.org/markup-compatibility/2006">
-    <mc:Choice xmlns:p14="http://schemas.microsoft.com/office/powerpoint/2010/main" Requires="p14">
+  <mc:AlternateContent xmlns:mc="http://schemas.openxmlformats.org/markup-compatibility/2006" xmlns:p14="http://schemas.microsoft.com/office/powerpoint/2010/main">
+    <mc:Choice Requires="p14">
       <p:transition spd="slow" p14:dur="2000"/>
     </mc:Choice>
-    <mc:Fallback>
+    <mc:Fallback xmlns="">
       <p:transition spd="slow"/>
     </mc:Fallback>
   </mc:AlternateContent>
@@ -5030,10 +5030,6 @@
               <a:rPr lang="pt-BR" dirty="0"/>
               <a:t> = c(1, 3, 5, 7) </a:t>
             </a:r>
-            <a:r>
-              <a:rPr lang="pt-BR" dirty="0"/>
-              <a:t/>
-            </a:r>
             <a:br>
               <a:rPr lang="pt-BR" dirty="0"/>
             </a:br>
@@ -5120,11 +5116,11 @@
   <p:clrMapOvr>
     <a:masterClrMapping/>
   </p:clrMapOvr>
-  <mc:AlternateContent xmlns:mc="http://schemas.openxmlformats.org/markup-compatibility/2006">
-    <mc:Choice xmlns:p14="http://schemas.microsoft.com/office/powerpoint/2010/main" Requires="p14">
+  <mc:AlternateContent xmlns:mc="http://schemas.openxmlformats.org/markup-compatibility/2006" xmlns:p14="http://schemas.microsoft.com/office/powerpoint/2010/main">
+    <mc:Choice Requires="p14">
       <p:transition spd="slow" p14:dur="2000"/>
     </mc:Choice>
-    <mc:Fallback>
+    <mc:Fallback xmlns="">
       <p:transition spd="slow"/>
     </mc:Fallback>
   </mc:AlternateContent>
@@ -5280,11 +5276,11 @@
   <p:clrMapOvr>
     <a:masterClrMapping/>
   </p:clrMapOvr>
-  <mc:AlternateContent xmlns:mc="http://schemas.openxmlformats.org/markup-compatibility/2006">
-    <mc:Choice xmlns:p14="http://schemas.microsoft.com/office/powerpoint/2010/main" Requires="p14">
+  <mc:AlternateContent xmlns:mc="http://schemas.openxmlformats.org/markup-compatibility/2006" xmlns:p14="http://schemas.microsoft.com/office/powerpoint/2010/main">
+    <mc:Choice Requires="p14">
       <p:transition spd="slow" p14:dur="2000"/>
     </mc:Choice>
-    <mc:Fallback>
+    <mc:Fallback xmlns="">
       <p:transition spd="slow"/>
     </mc:Fallback>
   </mc:AlternateContent>
@@ -5434,11 +5430,11 @@
   <p:clrMapOvr>
     <a:masterClrMapping/>
   </p:clrMapOvr>
-  <mc:AlternateContent xmlns:mc="http://schemas.openxmlformats.org/markup-compatibility/2006">
-    <mc:Choice xmlns:p14="http://schemas.microsoft.com/office/powerpoint/2010/main" Requires="p14">
+  <mc:AlternateContent xmlns:mc="http://schemas.openxmlformats.org/markup-compatibility/2006" xmlns:p14="http://schemas.microsoft.com/office/powerpoint/2010/main">
+    <mc:Choice Requires="p14">
       <p:transition spd="slow" p14:dur="2000"/>
     </mc:Choice>
-    <mc:Fallback>
+    <mc:Fallback xmlns="">
       <p:transition spd="slow"/>
     </mc:Fallback>
   </mc:AlternateContent>
@@ -5573,11 +5569,11 @@
   <p:clrMapOvr>
     <a:masterClrMapping/>
   </p:clrMapOvr>
-  <mc:AlternateContent xmlns:mc="http://schemas.openxmlformats.org/markup-compatibility/2006">
-    <mc:Choice xmlns:p14="http://schemas.microsoft.com/office/powerpoint/2010/main" Requires="p14">
+  <mc:AlternateContent xmlns:mc="http://schemas.openxmlformats.org/markup-compatibility/2006" xmlns:p14="http://schemas.microsoft.com/office/powerpoint/2010/main">
+    <mc:Choice Requires="p14">
       <p:transition spd="slow" p14:dur="2000"/>
     </mc:Choice>
-    <mc:Fallback>
+    <mc:Fallback xmlns="">
       <p:transition spd="slow"/>
     </mc:Fallback>
   </mc:AlternateContent>
@@ -5641,7 +5637,6 @@
               <a:rPr lang="en-US" b="1" dirty="0"/>
               <a:t>v[c("Last", "First")] </a:t>
             </a:r>
-            <a:endParaRPr lang="en-US" b="1" dirty="0"/>
           </a:p>
         </p:txBody>
       </p:sp>
@@ -5683,11 +5678,11 @@
   <p:clrMapOvr>
     <a:masterClrMapping/>
   </p:clrMapOvr>
-  <mc:AlternateContent xmlns:mc="http://schemas.openxmlformats.org/markup-compatibility/2006">
-    <mc:Choice xmlns:p14="http://schemas.microsoft.com/office/powerpoint/2010/main" Requires="p14">
+  <mc:AlternateContent xmlns:mc="http://schemas.openxmlformats.org/markup-compatibility/2006" xmlns:p14="http://schemas.microsoft.com/office/powerpoint/2010/main">
+    <mc:Choice Requires="p14">
       <p:transition spd="slow" p14:dur="2000"/>
     </mc:Choice>
-    <mc:Fallback>
+    <mc:Fallback xmlns="">
       <p:transition spd="slow"/>
     </mc:Fallback>
   </mc:AlternateContent>
@@ -5796,7 +5791,6 @@
               <a:rPr lang="en-US" dirty="0"/>
               <a:t>)</a:t>
             </a:r>
-            <a:endParaRPr lang="en-US" dirty="0"/>
           </a:p>
         </p:txBody>
       </p:sp>
@@ -5823,7 +5817,6 @@
               <a:rPr lang="en-US" dirty="0"/>
               <a:t> </a:t>
             </a:r>
-            <a:endParaRPr lang="en-US" dirty="0"/>
           </a:p>
         </p:txBody>
       </p:sp>
@@ -5837,11 +5830,11 @@
   <p:clrMapOvr>
     <a:masterClrMapping/>
   </p:clrMapOvr>
-  <mc:AlternateContent xmlns:mc="http://schemas.openxmlformats.org/markup-compatibility/2006">
-    <mc:Choice xmlns:p14="http://schemas.microsoft.com/office/powerpoint/2010/main" Requires="p14">
+  <mc:AlternateContent xmlns:mc="http://schemas.openxmlformats.org/markup-compatibility/2006" xmlns:p14="http://schemas.microsoft.com/office/powerpoint/2010/main">
+    <mc:Choice Requires="p14">
       <p:transition spd="slow" p14:dur="2000"/>
     </mc:Choice>
-    <mc:Fallback>
+    <mc:Fallback xmlns="">
       <p:transition spd="slow"/>
     </mc:Fallback>
   </mc:AlternateContent>
@@ -5959,15 +5952,7 @@
           <a:p>
             <a:r>
               <a:rPr lang="en-US" dirty="0"/>
-              <a:t>print(x[x &lt; </a:t>
-            </a:r>
-            <a:r>
-              <a:rPr lang="en-US" dirty="0"/>
-              <a:t>5</a:t>
-            </a:r>
-            <a:r>
-              <a:rPr lang="en-US" dirty="0"/>
-              <a:t>] )</a:t>
+              <a:t>print(x[x &lt; 5] )</a:t>
             </a:r>
           </a:p>
         </p:txBody>
@@ -6010,11 +5995,11 @@
   <p:clrMapOvr>
     <a:masterClrMapping/>
   </p:clrMapOvr>
-  <mc:AlternateContent xmlns:mc="http://schemas.openxmlformats.org/markup-compatibility/2006">
-    <mc:Choice xmlns:p14="http://schemas.microsoft.com/office/powerpoint/2010/main" Requires="p14">
+  <mc:AlternateContent xmlns:mc="http://schemas.openxmlformats.org/markup-compatibility/2006" xmlns:p14="http://schemas.microsoft.com/office/powerpoint/2010/main">
+    <mc:Choice Requires="p14">
       <p:transition spd="slow" p14:dur="2000"/>
     </mc:Choice>
-    <mc:Fallback>
+    <mc:Fallback xmlns="">
       <p:transition spd="slow"/>
     </mc:Fallback>
   </mc:AlternateContent>
@@ -6152,11 +6137,11 @@
   <p:clrMapOvr>
     <a:masterClrMapping/>
   </p:clrMapOvr>
-  <mc:AlternateContent xmlns:mc="http://schemas.openxmlformats.org/markup-compatibility/2006">
-    <mc:Choice xmlns:p14="http://schemas.microsoft.com/office/powerpoint/2010/main" Requires="p14">
+  <mc:AlternateContent xmlns:mc="http://schemas.openxmlformats.org/markup-compatibility/2006" xmlns:p14="http://schemas.microsoft.com/office/powerpoint/2010/main">
+    <mc:Choice Requires="p14">
       <p:transition spd="slow" p14:dur="2000"/>
     </mc:Choice>
-    <mc:Fallback>
+    <mc:Fallback xmlns="">
       <p:transition spd="slow"/>
     </mc:Fallback>
   </mc:AlternateContent>
@@ -6295,11 +6280,11 @@
   <p:clrMapOvr>
     <a:masterClrMapping/>
   </p:clrMapOvr>
-  <mc:AlternateContent xmlns:mc="http://schemas.openxmlformats.org/markup-compatibility/2006">
-    <mc:Choice xmlns:p14="http://schemas.microsoft.com/office/powerpoint/2010/main" Requires="p14">
+  <mc:AlternateContent xmlns:mc="http://schemas.openxmlformats.org/markup-compatibility/2006" xmlns:p14="http://schemas.microsoft.com/office/powerpoint/2010/main">
+    <mc:Choice Requires="p14">
       <p:transition spd="slow" p14:dur="2000"/>
     </mc:Choice>
-    <mc:Fallback>
+    <mc:Fallback xmlns="">
       <p:transition spd="slow"/>
     </mc:Fallback>
   </mc:AlternateContent>
@@ -6454,11 +6439,11 @@
   <p:clrMapOvr>
     <a:masterClrMapping/>
   </p:clrMapOvr>
-  <mc:AlternateContent xmlns:mc="http://schemas.openxmlformats.org/markup-compatibility/2006">
-    <mc:Choice xmlns:p14="http://schemas.microsoft.com/office/powerpoint/2010/main" Requires="p14">
+  <mc:AlternateContent xmlns:mc="http://schemas.openxmlformats.org/markup-compatibility/2006" xmlns:p14="http://schemas.microsoft.com/office/powerpoint/2010/main">
+    <mc:Choice Requires="p14">
       <p:transition spd="slow" p14:dur="2000"/>
     </mc:Choice>
-    <mc:Fallback>
+    <mc:Fallback xmlns="">
       <p:transition spd="slow"/>
     </mc:Fallback>
   </mc:AlternateContent>
@@ -6559,11 +6544,11 @@
   <p:clrMapOvr>
     <a:masterClrMapping/>
   </p:clrMapOvr>
-  <mc:AlternateContent xmlns:mc="http://schemas.openxmlformats.org/markup-compatibility/2006">
-    <mc:Choice xmlns:p14="http://schemas.microsoft.com/office/powerpoint/2010/main" Requires="p14">
+  <mc:AlternateContent xmlns:mc="http://schemas.openxmlformats.org/markup-compatibility/2006" xmlns:p14="http://schemas.microsoft.com/office/powerpoint/2010/main">
+    <mc:Choice Requires="p14">
       <p:transition spd="slow" p14:dur="2000"/>
     </mc:Choice>
-    <mc:Fallback>
+    <mc:Fallback xmlns="">
       <p:transition spd="slow"/>
     </mc:Fallback>
   </mc:AlternateContent>
@@ -6611,11 +6596,7 @@
           <a:p>
             <a:r>
               <a:rPr lang="en-US" dirty="0"/>
-              <a:t>Conversion and manipulation of objects of type </a:t>
-            </a:r>
-            <a:r>
-              <a:rPr lang="en-US" dirty="0"/>
-              <a:t>"raw</a:t>
+              <a:t>Conversion and manipulation of objects of type "raw</a:t>
             </a:r>
             <a:r>
               <a:rPr lang="en-US" dirty="0" smtClean="0"/>
@@ -6761,6 +6742,13 @@
   <p:clrMapOvr>
     <a:masterClrMapping/>
   </p:clrMapOvr>
+  <p:timing>
+    <p:tnLst>
+      <p:par>
+        <p:cTn id="1" dur="indefinite" restart="never" nodeType="tmRoot"/>
+      </p:par>
+    </p:tnLst>
+  </p:timing>
 </p:sld>
 </file>
 
@@ -6984,11 +6972,11 @@
   <p:clrMapOvr>
     <a:masterClrMapping/>
   </p:clrMapOvr>
-  <mc:AlternateContent xmlns:mc="http://schemas.openxmlformats.org/markup-compatibility/2006">
-    <mc:Choice xmlns:p14="http://schemas.microsoft.com/office/powerpoint/2010/main" Requires="p14">
+  <mc:AlternateContent xmlns:mc="http://schemas.openxmlformats.org/markup-compatibility/2006" xmlns:p14="http://schemas.microsoft.com/office/powerpoint/2010/main">
+    <mc:Choice Requires="p14">
       <p:transition spd="slow" p14:dur="2000"/>
     </mc:Choice>
-    <mc:Fallback>
+    <mc:Fallback xmlns="">
       <p:transition spd="slow"/>
     </mc:Fallback>
   </mc:AlternateContent>
@@ -7083,7 +7071,6 @@
               <a:rPr lang="en-US" dirty="0"/>
               <a:t>are logical, integer, double, complex, character and raw.</a:t>
             </a:r>
-            <a:endParaRPr lang="en-US" dirty="0"/>
           </a:p>
         </p:txBody>
       </p:sp>
@@ -7106,7 +7093,6 @@
               <a:rPr lang="en-US" dirty="0"/>
               <a:t>six types of atomic vectors</a:t>
             </a:r>
-            <a:endParaRPr lang="en-US" dirty="0"/>
           </a:p>
         </p:txBody>
       </p:sp>
@@ -7120,11 +7106,11 @@
   <p:clrMapOvr>
     <a:masterClrMapping/>
   </p:clrMapOvr>
-  <mc:AlternateContent xmlns:mc="http://schemas.openxmlformats.org/markup-compatibility/2006">
-    <mc:Choice xmlns:p14="http://schemas.microsoft.com/office/powerpoint/2010/main" Requires="p14">
+  <mc:AlternateContent xmlns:mc="http://schemas.openxmlformats.org/markup-compatibility/2006" xmlns:p14="http://schemas.microsoft.com/office/powerpoint/2010/main">
+    <mc:Choice Requires="p14">
       <p:transition spd="slow" p14:dur="2000"/>
     </mc:Choice>
-    <mc:Fallback>
+    <mc:Fallback xmlns="">
       <p:transition spd="slow"/>
     </mc:Fallback>
   </mc:AlternateContent>
@@ -7174,30 +7160,14 @@
           <a:p>
             <a:r>
               <a:rPr lang="en-US" dirty="0"/>
-              <a:t>v </a:t>
-            </a:r>
-            <a:r>
-              <a:rPr lang="en-US" dirty="0"/>
-              <a:t>&lt;-</a:t>
-            </a:r>
-            <a:r>
-              <a:rPr lang="en-US" dirty="0"/>
-              <a:t> TRUE </a:t>
+              <a:t>v &lt;- TRUE </a:t>
             </a:r>
             <a:endParaRPr lang="en-US" dirty="0" smtClean="0"/>
           </a:p>
           <a:p>
             <a:r>
               <a:rPr lang="en-US" dirty="0"/>
-              <a:t>v </a:t>
-            </a:r>
-            <a:r>
-              <a:rPr lang="en-US" dirty="0"/>
-              <a:t>&lt;-</a:t>
-            </a:r>
-            <a:r>
-              <a:rPr lang="en-US" dirty="0"/>
-              <a:t>  </a:t>
+              <a:t>v &lt;-  </a:t>
             </a:r>
             <a:r>
               <a:rPr lang="en-US" dirty="0" smtClean="0"/>
@@ -7212,15 +7182,7 @@
           <a:p>
             <a:r>
               <a:rPr lang="en-US" dirty="0"/>
-              <a:t>v </a:t>
-            </a:r>
-            <a:r>
-              <a:rPr lang="en-US" dirty="0"/>
-              <a:t>&lt;-</a:t>
-            </a:r>
-            <a:r>
-              <a:rPr lang="en-US" dirty="0"/>
-              <a:t> </a:t>
+              <a:t>v &lt;- </a:t>
             </a:r>
             <a:r>
               <a:rPr lang="en-US" dirty="0" smtClean="0"/>
@@ -7230,15 +7192,7 @@
           <a:p>
             <a:r>
               <a:rPr lang="en-US" dirty="0"/>
-              <a:t>v </a:t>
-            </a:r>
-            <a:r>
-              <a:rPr lang="en-US" dirty="0"/>
-              <a:t>&lt;-</a:t>
-            </a:r>
-            <a:r>
-              <a:rPr lang="en-US" dirty="0"/>
-              <a:t> </a:t>
+              <a:t>v &lt;- </a:t>
             </a:r>
             <a:r>
               <a:rPr lang="en-US" dirty="0" smtClean="0"/>
@@ -7248,15 +7202,7 @@
           <a:p>
             <a:r>
               <a:rPr lang="en-US" dirty="0"/>
-              <a:t>v </a:t>
-            </a:r>
-            <a:r>
-              <a:rPr lang="en-US" dirty="0"/>
-              <a:t>&lt;-</a:t>
-            </a:r>
-            <a:r>
-              <a:rPr lang="en-US" dirty="0"/>
-              <a:t> </a:t>
+              <a:t>v &lt;- </a:t>
             </a:r>
             <a:r>
               <a:rPr lang="en-US" dirty="0" smtClean="0"/>
@@ -7266,15 +7212,7 @@
           <a:p>
             <a:r>
               <a:rPr lang="en-US" dirty="0"/>
-              <a:t>v </a:t>
-            </a:r>
-            <a:r>
-              <a:rPr lang="en-US" dirty="0"/>
-              <a:t>&lt;-</a:t>
-            </a:r>
-            <a:r>
-              <a:rPr lang="en-US" dirty="0"/>
-              <a:t> </a:t>
+              <a:t>v &lt;- </a:t>
             </a:r>
             <a:r>
               <a:rPr lang="en-US" b="1" dirty="0" err="1"/>
@@ -7500,7 +7438,6 @@
               <a:rPr lang="en-US" dirty="0"/>
               <a:t>x[-1] # access all but 1st element</a:t>
             </a:r>
-            <a:endParaRPr lang="en-US" dirty="0"/>
           </a:p>
         </p:txBody>
       </p:sp>
@@ -7537,11 +7474,11 @@
   <p:clrMapOvr>
     <a:masterClrMapping/>
   </p:clrMapOvr>
-  <mc:AlternateContent xmlns:mc="http://schemas.openxmlformats.org/markup-compatibility/2006">
-    <mc:Choice xmlns:p14="http://schemas.microsoft.com/office/powerpoint/2010/main" Requires="p14">
+  <mc:AlternateContent xmlns:mc="http://schemas.openxmlformats.org/markup-compatibility/2006" xmlns:p14="http://schemas.microsoft.com/office/powerpoint/2010/main">
+    <mc:Choice Requires="p14">
       <p:transition spd="slow" p14:dur="2000"/>
     </mc:Choice>
-    <mc:Fallback>
+    <mc:Fallback xmlns="">
       <p:transition spd="slow"/>
     </mc:Fallback>
   </mc:AlternateContent>
@@ -7698,7 +7635,6 @@
               <a:rPr lang="en-US" dirty="0"/>
               <a:t>) # specify length of the vector</a:t>
             </a:r>
-            <a:endParaRPr lang="en-US" dirty="0"/>
           </a:p>
         </p:txBody>
       </p:sp>
@@ -7731,11 +7667,11 @@
   <p:clrMapOvr>
     <a:masterClrMapping/>
   </p:clrMapOvr>
-  <mc:AlternateContent xmlns:mc="http://schemas.openxmlformats.org/markup-compatibility/2006">
-    <mc:Choice xmlns:p14="http://schemas.microsoft.com/office/powerpoint/2010/main" Requires="p14">
+  <mc:AlternateContent xmlns:mc="http://schemas.openxmlformats.org/markup-compatibility/2006" xmlns:p14="http://schemas.microsoft.com/office/powerpoint/2010/main">
+    <mc:Choice Requires="p14">
       <p:transition spd="slow" p14:dur="2000"/>
     </mc:Choice>
-    <mc:Fallback>
+    <mc:Fallback xmlns="">
       <p:transition spd="slow"/>
     </mc:Fallback>
   </mc:AlternateContent>
@@ -7885,11 +7821,11 @@
   <p:clrMapOvr>
     <a:masterClrMapping/>
   </p:clrMapOvr>
-  <mc:AlternateContent xmlns:mc="http://schemas.openxmlformats.org/markup-compatibility/2006">
-    <mc:Choice xmlns:p14="http://schemas.microsoft.com/office/powerpoint/2010/main" Requires="p14">
+  <mc:AlternateContent xmlns:mc="http://schemas.openxmlformats.org/markup-compatibility/2006" xmlns:p14="http://schemas.microsoft.com/office/powerpoint/2010/main">
+    <mc:Choice Requires="p14">
       <p:transition spd="slow" p14:dur="2000"/>
     </mc:Choice>
-    <mc:Fallback>
+    <mc:Fallback xmlns="">
       <p:transition spd="slow"/>
     </mc:Fallback>
   </mc:AlternateContent>
@@ -7987,7 +7923,31 @@
           <a:p>
             <a:r>
               <a:rPr lang="en-US" dirty="0"/>
-              <a:t># Accessing vector elements using 0/1 indexing.</a:t>
+              <a:t># Accessing vector elements using 0/1 indexing</a:t>
+            </a:r>
+            <a:r>
+              <a:rPr lang="en-US" dirty="0" smtClean="0"/>
+              <a:t>.</a:t>
+            </a:r>
+          </a:p>
+          <a:p>
+            <a:r>
+              <a:rPr lang="en-US" dirty="0"/>
+              <a:t>v = c("Mary", "Sue") </a:t>
+            </a:r>
+            <a:endParaRPr lang="en-US" dirty="0" smtClean="0"/>
+          </a:p>
+          <a:p>
+            <a:r>
+              <a:rPr lang="en-US" dirty="0"/>
+              <a:t>names(v) = c("First", "Last") </a:t>
+            </a:r>
+            <a:endParaRPr lang="en-US" dirty="0" smtClean="0"/>
+          </a:p>
+          <a:p>
+            <a:r>
+              <a:rPr lang="en-US" dirty="0"/>
+              <a:t>v["First"] </a:t>
             </a:r>
             <a:endParaRPr lang="en-US" dirty="0" smtClean="0"/>
           </a:p>
@@ -8025,11 +7985,11 @@
   <p:clrMapOvr>
     <a:masterClrMapping/>
   </p:clrMapOvr>
-  <mc:AlternateContent xmlns:mc="http://schemas.openxmlformats.org/markup-compatibility/2006">
-    <mc:Choice xmlns:p14="http://schemas.microsoft.com/office/powerpoint/2010/main" Requires="p14">
+  <mc:AlternateContent xmlns:mc="http://schemas.openxmlformats.org/markup-compatibility/2006" xmlns:p14="http://schemas.microsoft.com/office/powerpoint/2010/main">
+    <mc:Choice Requires="p14">
       <p:transition spd="slow" p14:dur="2000"/>
     </mc:Choice>
-    <mc:Fallback>
+    <mc:Fallback xmlns="">
       <p:transition spd="slow"/>
     </mc:Fallback>
   </mc:AlternateContent>
